--- a/JavaEE 初阶/流程图&示意图.pptx
+++ b/JavaEE 初阶/流程图&示意图.pptx
@@ -10869,6 +10869,1524 @@
         <p:nvPr/>
       </p:nvGrpSpPr>
       <p:grpSpPr/>
+      <p:sp>
+        <p:nvSpPr>
+          <p:cNvPr id="2" name="圆角矩形 1"/>
+          <p:cNvSpPr/>
+          <p:nvPr/>
+        </p:nvSpPr>
+        <p:spPr>
+          <a:xfrm>
+            <a:off x="1115060" y="368935"/>
+            <a:ext cx="2122805" cy="5809615"/>
+          </a:xfrm>
+          <a:prstGeom prst="roundRect">
+            <a:avLst/>
+          </a:prstGeom>
+          <a:solidFill>
+            <a:schemeClr val="accent1">
+              <a:lumMod val="20000"/>
+              <a:lumOff val="80000"/>
+            </a:schemeClr>
+          </a:solidFill>
+        </p:spPr>
+        <p:style>
+          <a:lnRef idx="2">
+            <a:schemeClr val="accent1">
+              <a:lumMod val="75000"/>
+            </a:schemeClr>
+          </a:lnRef>
+          <a:fillRef idx="1">
+            <a:schemeClr val="accent1"/>
+          </a:fillRef>
+          <a:effectRef idx="0">
+            <a:srgbClr val="FFFFFF"/>
+          </a:effectRef>
+          <a:fontRef idx="minor">
+            <a:schemeClr val="lt1"/>
+          </a:fontRef>
+        </p:style>
+        <p:txBody>
+          <a:bodyPr rtlCol="0" anchor="ctr"/>
+          <a:p>
+            <a:pPr algn="ctr"/>
+            <a:endParaRPr lang="zh-CN" altLang="en-US"/>
+          </a:p>
+        </p:txBody>
+      </p:sp>
+      <p:sp>
+        <p:nvSpPr>
+          <p:cNvPr id="3" name="圆角矩形 2"/>
+          <p:cNvSpPr/>
+          <p:nvPr/>
+        </p:nvSpPr>
+        <p:spPr>
+          <a:xfrm>
+            <a:off x="6965315" y="368935"/>
+            <a:ext cx="2122805" cy="5809615"/>
+          </a:xfrm>
+          <a:prstGeom prst="roundRect">
+            <a:avLst/>
+          </a:prstGeom>
+          <a:solidFill>
+            <a:schemeClr val="accent1">
+              <a:lumMod val="20000"/>
+              <a:lumOff val="80000"/>
+            </a:schemeClr>
+          </a:solidFill>
+        </p:spPr>
+        <p:style>
+          <a:lnRef idx="2">
+            <a:schemeClr val="accent1">
+              <a:lumMod val="75000"/>
+            </a:schemeClr>
+          </a:lnRef>
+          <a:fillRef idx="1">
+            <a:schemeClr val="accent1"/>
+          </a:fillRef>
+          <a:effectRef idx="0">
+            <a:srgbClr val="FFFFFF"/>
+          </a:effectRef>
+          <a:fontRef idx="minor">
+            <a:schemeClr val="lt1"/>
+          </a:fontRef>
+        </p:style>
+        <p:txBody>
+          <a:bodyPr rtlCol="0" anchor="ctr"/>
+          <a:p>
+            <a:pPr algn="ctr"/>
+            <a:endParaRPr lang="zh-CN" altLang="en-US"/>
+          </a:p>
+        </p:txBody>
+      </p:sp>
+      <p:sp>
+        <p:nvSpPr>
+          <p:cNvPr id="4" name="圆角矩形 3"/>
+          <p:cNvSpPr/>
+          <p:nvPr/>
+        </p:nvSpPr>
+        <p:spPr>
+          <a:xfrm>
+            <a:off x="1313180" y="635635"/>
+            <a:ext cx="1727200" cy="878205"/>
+          </a:xfrm>
+          <a:prstGeom prst="roundRect">
+            <a:avLst/>
+          </a:prstGeom>
+          <a:solidFill>
+            <a:schemeClr val="accent3">
+              <a:lumMod val="20000"/>
+              <a:lumOff val="80000"/>
+            </a:schemeClr>
+          </a:solidFill>
+        </p:spPr>
+        <p:style>
+          <a:lnRef idx="2">
+            <a:schemeClr val="accent1">
+              <a:lumMod val="75000"/>
+            </a:schemeClr>
+          </a:lnRef>
+          <a:fillRef idx="1">
+            <a:schemeClr val="accent1"/>
+          </a:fillRef>
+          <a:effectRef idx="0">
+            <a:srgbClr val="FFFFFF"/>
+          </a:effectRef>
+          <a:fontRef idx="minor">
+            <a:schemeClr val="lt1"/>
+          </a:fontRef>
+        </p:style>
+        <p:txBody>
+          <a:bodyPr rtlCol="0" anchor="ctr"/>
+          <a:p>
+            <a:pPr algn="ctr"/>
+            <a:r>
+              <a:rPr lang="zh-CN" altLang="en-US" sz="2000">
+                <a:solidFill>
+                  <a:schemeClr val="tx2"/>
+                </a:solidFill>
+                <a:latin typeface="得意黑" charset="-122"/>
+                <a:ea typeface="得意黑" charset="-122"/>
+              </a:rPr>
+              <a:t>证书合法性</a:t>
+            </a:r>
+            <a:endParaRPr lang="zh-CN" altLang="en-US" sz="2000">
+              <a:solidFill>
+                <a:schemeClr val="tx2"/>
+              </a:solidFill>
+              <a:latin typeface="得意黑" charset="-122"/>
+              <a:ea typeface="得意黑" charset="-122"/>
+            </a:endParaRPr>
+          </a:p>
+          <a:p>
+            <a:pPr algn="ctr"/>
+            <a:r>
+              <a:rPr lang="zh-CN" altLang="en-US" sz="2000">
+                <a:solidFill>
+                  <a:schemeClr val="tx2"/>
+                </a:solidFill>
+                <a:latin typeface="得意黑" charset="-122"/>
+                <a:ea typeface="得意黑" charset="-122"/>
+              </a:rPr>
+              <a:t>校验</a:t>
+            </a:r>
+            <a:endParaRPr lang="zh-CN" altLang="en-US" sz="2000">
+              <a:solidFill>
+                <a:schemeClr val="tx2"/>
+              </a:solidFill>
+              <a:latin typeface="得意黑" charset="-122"/>
+              <a:ea typeface="得意黑" charset="-122"/>
+            </a:endParaRPr>
+          </a:p>
+        </p:txBody>
+      </p:sp>
+      <p:sp>
+        <p:nvSpPr>
+          <p:cNvPr id="7" name="圆角矩形 6"/>
+          <p:cNvSpPr/>
+          <p:nvPr/>
+        </p:nvSpPr>
+        <p:spPr>
+          <a:xfrm>
+            <a:off x="1313815" y="2773045"/>
+            <a:ext cx="1727200" cy="878205"/>
+          </a:xfrm>
+          <a:prstGeom prst="roundRect">
+            <a:avLst/>
+          </a:prstGeom>
+          <a:solidFill>
+            <a:schemeClr val="accent3">
+              <a:lumMod val="20000"/>
+              <a:lumOff val="80000"/>
+            </a:schemeClr>
+          </a:solidFill>
+        </p:spPr>
+        <p:style>
+          <a:lnRef idx="2">
+            <a:schemeClr val="accent1">
+              <a:lumMod val="75000"/>
+            </a:schemeClr>
+          </a:lnRef>
+          <a:fillRef idx="1">
+            <a:schemeClr val="accent1"/>
+          </a:fillRef>
+          <a:effectRef idx="0">
+            <a:srgbClr val="FFFFFF"/>
+          </a:effectRef>
+          <a:fontRef idx="minor">
+            <a:schemeClr val="lt1"/>
+          </a:fontRef>
+        </p:style>
+        <p:txBody>
+          <a:bodyPr rtlCol="0" anchor="ctr"/>
+          <a:p>
+            <a:pPr algn="ctr"/>
+            <a:r>
+              <a:rPr lang="zh-CN" altLang="en-US" sz="2000">
+                <a:solidFill>
+                  <a:schemeClr val="tx2"/>
+                </a:solidFill>
+                <a:latin typeface="得意黑" charset="-122"/>
+                <a:ea typeface="得意黑" charset="-122"/>
+              </a:rPr>
+              <a:t>随机生成</a:t>
+            </a:r>
+            <a:endParaRPr lang="zh-CN" altLang="en-US" sz="2000">
+              <a:solidFill>
+                <a:schemeClr val="tx2"/>
+              </a:solidFill>
+              <a:latin typeface="得意黑" charset="-122"/>
+              <a:ea typeface="得意黑" charset="-122"/>
+            </a:endParaRPr>
+          </a:p>
+          <a:p>
+            <a:pPr algn="ctr"/>
+            <a:r>
+              <a:rPr lang="zh-CN" altLang="en-US" sz="2000">
+                <a:solidFill>
+                  <a:schemeClr val="tx2"/>
+                </a:solidFill>
+                <a:latin typeface="得意黑" charset="-122"/>
+                <a:ea typeface="得意黑" charset="-122"/>
+              </a:rPr>
+              <a:t>密钥</a:t>
+            </a:r>
+            <a:r>
+              <a:rPr lang="en-US" altLang="zh-CN" sz="2000">
+                <a:solidFill>
+                  <a:schemeClr val="tx2"/>
+                </a:solidFill>
+                <a:latin typeface="得意黑" charset="-122"/>
+                <a:ea typeface="得意黑" charset="-122"/>
+              </a:rPr>
+              <a:t>R</a:t>
+            </a:r>
+            <a:endParaRPr lang="en-US" altLang="zh-CN" sz="2000">
+              <a:solidFill>
+                <a:schemeClr val="tx2"/>
+              </a:solidFill>
+              <a:latin typeface="得意黑" charset="-122"/>
+              <a:ea typeface="得意黑" charset="-122"/>
+            </a:endParaRPr>
+          </a:p>
+        </p:txBody>
+      </p:sp>
+      <p:sp>
+        <p:nvSpPr>
+          <p:cNvPr id="8" name="圆角矩形 7"/>
+          <p:cNvSpPr/>
+          <p:nvPr/>
+        </p:nvSpPr>
+        <p:spPr>
+          <a:xfrm>
+            <a:off x="1314450" y="5130800"/>
+            <a:ext cx="1727200" cy="878205"/>
+          </a:xfrm>
+          <a:prstGeom prst="roundRect">
+            <a:avLst/>
+          </a:prstGeom>
+          <a:solidFill>
+            <a:schemeClr val="accent3">
+              <a:lumMod val="20000"/>
+              <a:lumOff val="80000"/>
+            </a:schemeClr>
+          </a:solidFill>
+        </p:spPr>
+        <p:style>
+          <a:lnRef idx="2">
+            <a:schemeClr val="accent1">
+              <a:lumMod val="75000"/>
+            </a:schemeClr>
+          </a:lnRef>
+          <a:fillRef idx="1">
+            <a:schemeClr val="accent1"/>
+          </a:fillRef>
+          <a:effectRef idx="0">
+            <a:srgbClr val="FFFFFF"/>
+          </a:effectRef>
+          <a:fontRef idx="minor">
+            <a:schemeClr val="lt1"/>
+          </a:fontRef>
+        </p:style>
+        <p:txBody>
+          <a:bodyPr rtlCol="0" anchor="ctr"/>
+          <a:p>
+            <a:pPr algn="ctr"/>
+            <a:r>
+              <a:rPr lang="zh-CN" altLang="en-US" sz="2000">
+                <a:solidFill>
+                  <a:schemeClr val="tx2"/>
+                </a:solidFill>
+                <a:latin typeface="得意黑" charset="-122"/>
+                <a:ea typeface="得意黑" charset="-122"/>
+              </a:rPr>
+              <a:t>使用</a:t>
+            </a:r>
+            <a:r>
+              <a:rPr lang="en-US" altLang="zh-CN" sz="2000">
+                <a:solidFill>
+                  <a:schemeClr val="tx2"/>
+                </a:solidFill>
+                <a:latin typeface="得意黑" charset="-122"/>
+                <a:ea typeface="得意黑" charset="-122"/>
+              </a:rPr>
+              <a:t>R </a:t>
+            </a:r>
+            <a:r>
+              <a:rPr lang="zh-CN" altLang="en-US" sz="2000">
+                <a:solidFill>
+                  <a:schemeClr val="tx2"/>
+                </a:solidFill>
+                <a:latin typeface="得意黑" charset="-122"/>
+                <a:ea typeface="得意黑" charset="-122"/>
+              </a:rPr>
+              <a:t>解密网页</a:t>
+            </a:r>
+            <a:r>
+              <a:rPr lang="zh-CN" altLang="en-US" sz="2000">
+                <a:solidFill>
+                  <a:schemeClr val="tx2"/>
+                </a:solidFill>
+                <a:latin typeface="得意黑" charset="-122"/>
+                <a:ea typeface="得意黑" charset="-122"/>
+              </a:rPr>
+              <a:t>内容</a:t>
+            </a:r>
+            <a:endParaRPr lang="zh-CN" altLang="en-US" sz="2000">
+              <a:solidFill>
+                <a:schemeClr val="tx2"/>
+              </a:solidFill>
+              <a:latin typeface="得意黑" charset="-122"/>
+              <a:ea typeface="得意黑" charset="-122"/>
+            </a:endParaRPr>
+          </a:p>
+        </p:txBody>
+      </p:sp>
+      <p:sp>
+        <p:nvSpPr>
+          <p:cNvPr id="9" name="圆角矩形 8"/>
+          <p:cNvSpPr/>
+          <p:nvPr/>
+        </p:nvSpPr>
+        <p:spPr>
+          <a:xfrm>
+            <a:off x="1314450" y="3952240"/>
+            <a:ext cx="1727200" cy="878205"/>
+          </a:xfrm>
+          <a:prstGeom prst="roundRect">
+            <a:avLst/>
+          </a:prstGeom>
+          <a:solidFill>
+            <a:schemeClr val="accent3">
+              <a:lumMod val="20000"/>
+              <a:lumOff val="80000"/>
+            </a:schemeClr>
+          </a:solidFill>
+        </p:spPr>
+        <p:style>
+          <a:lnRef idx="2">
+            <a:schemeClr val="accent1">
+              <a:lumMod val="75000"/>
+            </a:schemeClr>
+          </a:lnRef>
+          <a:fillRef idx="1">
+            <a:schemeClr val="accent1"/>
+          </a:fillRef>
+          <a:effectRef idx="0">
+            <a:srgbClr val="FFFFFF"/>
+          </a:effectRef>
+          <a:fontRef idx="minor">
+            <a:schemeClr val="lt1"/>
+          </a:fontRef>
+        </p:style>
+        <p:txBody>
+          <a:bodyPr rtlCol="0" anchor="ctr"/>
+          <a:p>
+            <a:pPr algn="ctr"/>
+            <a:r>
+              <a:rPr lang="zh-CN" altLang="en-US" sz="2000">
+                <a:solidFill>
+                  <a:schemeClr val="tx2"/>
+                </a:solidFill>
+                <a:latin typeface="得意黑" charset="-122"/>
+                <a:ea typeface="得意黑" charset="-122"/>
+              </a:rPr>
+              <a:t>用证书中的公钥加密</a:t>
+            </a:r>
+            <a:r>
+              <a:rPr lang="en-US" altLang="zh-CN" sz="2000">
+                <a:solidFill>
+                  <a:schemeClr val="tx2"/>
+                </a:solidFill>
+                <a:latin typeface="得意黑" charset="-122"/>
+                <a:ea typeface="得意黑" charset="-122"/>
+              </a:rPr>
+              <a:t>R</a:t>
+            </a:r>
+            <a:endParaRPr lang="en-US" altLang="zh-CN" sz="2000">
+              <a:solidFill>
+                <a:schemeClr val="tx2"/>
+              </a:solidFill>
+              <a:latin typeface="得意黑" charset="-122"/>
+              <a:ea typeface="得意黑" charset="-122"/>
+            </a:endParaRPr>
+          </a:p>
+        </p:txBody>
+      </p:sp>
+      <p:sp>
+        <p:nvSpPr>
+          <p:cNvPr id="10" name="菱形 9"/>
+          <p:cNvSpPr/>
+          <p:nvPr/>
+        </p:nvSpPr>
+        <p:spPr>
+          <a:xfrm>
+            <a:off x="1314450" y="1784350"/>
+            <a:ext cx="1726565" cy="718820"/>
+          </a:xfrm>
+          <a:prstGeom prst="diamond">
+            <a:avLst/>
+          </a:prstGeom>
+          <a:solidFill>
+            <a:schemeClr val="accent3">
+              <a:lumMod val="20000"/>
+              <a:lumOff val="80000"/>
+            </a:schemeClr>
+          </a:solidFill>
+        </p:spPr>
+        <p:style>
+          <a:lnRef idx="2">
+            <a:schemeClr val="accent1">
+              <a:lumMod val="75000"/>
+            </a:schemeClr>
+          </a:lnRef>
+          <a:fillRef idx="1">
+            <a:schemeClr val="accent1"/>
+          </a:fillRef>
+          <a:effectRef idx="0">
+            <a:srgbClr val="FFFFFF"/>
+          </a:effectRef>
+          <a:fontRef idx="minor">
+            <a:schemeClr val="lt1"/>
+          </a:fontRef>
+        </p:style>
+        <p:txBody>
+          <a:bodyPr rtlCol="0" anchor="ctr"/>
+          <a:p>
+            <a:pPr algn="ctr"/>
+            <a:r>
+              <a:rPr lang="zh-CN" altLang="en-US">
+                <a:solidFill>
+                  <a:schemeClr val="tx2"/>
+                </a:solidFill>
+                <a:latin typeface="得意黑" charset="-122"/>
+                <a:ea typeface="得意黑" charset="-122"/>
+              </a:rPr>
+              <a:t>合法</a:t>
+            </a:r>
+            <a:endParaRPr lang="zh-CN" altLang="en-US">
+              <a:solidFill>
+                <a:schemeClr val="tx2"/>
+              </a:solidFill>
+              <a:latin typeface="得意黑" charset="-122"/>
+              <a:ea typeface="得意黑" charset="-122"/>
+            </a:endParaRPr>
+          </a:p>
+        </p:txBody>
+      </p:sp>
+      <p:cxnSp>
+        <p:nvCxnSpPr>
+          <p:cNvPr id="11" name="直接箭头连接符 10"/>
+          <p:cNvCxnSpPr>
+            <a:stCxn id="4" idx="2"/>
+            <a:endCxn id="10" idx="0"/>
+          </p:cNvCxnSpPr>
+          <p:nvPr/>
+        </p:nvCxnSpPr>
+        <p:spPr>
+          <a:xfrm>
+            <a:off x="2176780" y="1513840"/>
+            <a:ext cx="1270" cy="270510"/>
+          </a:xfrm>
+          <a:prstGeom prst="straightConnector1">
+            <a:avLst/>
+          </a:prstGeom>
+          <a:ln w="28575">
+            <a:solidFill>
+              <a:schemeClr val="accent2"/>
+            </a:solidFill>
+            <a:tailEnd type="arrow"/>
+          </a:ln>
+        </p:spPr>
+        <p:style>
+          <a:lnRef idx="2">
+            <a:schemeClr val="accent1"/>
+          </a:lnRef>
+          <a:fillRef idx="0">
+            <a:srgbClr val="FFFFFF"/>
+          </a:fillRef>
+          <a:effectRef idx="0">
+            <a:srgbClr val="FFFFFF"/>
+          </a:effectRef>
+          <a:fontRef idx="minor">
+            <a:schemeClr val="tx1"/>
+          </a:fontRef>
+        </p:style>
+      </p:cxnSp>
+      <p:cxnSp>
+        <p:nvCxnSpPr>
+          <p:cNvPr id="12" name="直接箭头连接符 11"/>
+          <p:cNvCxnSpPr>
+            <a:stCxn id="10" idx="2"/>
+            <a:endCxn id="7" idx="0"/>
+          </p:cNvCxnSpPr>
+          <p:nvPr/>
+        </p:nvCxnSpPr>
+        <p:spPr>
+          <a:xfrm flipH="1">
+            <a:off x="2177415" y="2503170"/>
+            <a:ext cx="635" cy="269875"/>
+          </a:xfrm>
+          <a:prstGeom prst="straightConnector1">
+            <a:avLst/>
+          </a:prstGeom>
+          <a:ln w="28575">
+            <a:solidFill>
+              <a:schemeClr val="accent2"/>
+            </a:solidFill>
+            <a:tailEnd type="arrow"/>
+          </a:ln>
+        </p:spPr>
+        <p:style>
+          <a:lnRef idx="2">
+            <a:schemeClr val="accent1"/>
+          </a:lnRef>
+          <a:fillRef idx="0">
+            <a:srgbClr val="FFFFFF"/>
+          </a:fillRef>
+          <a:effectRef idx="0">
+            <a:srgbClr val="FFFFFF"/>
+          </a:effectRef>
+          <a:fontRef idx="minor">
+            <a:schemeClr val="tx1"/>
+          </a:fontRef>
+        </p:style>
+      </p:cxnSp>
+      <p:cxnSp>
+        <p:nvCxnSpPr>
+          <p:cNvPr id="13" name="直接箭头连接符 12"/>
+          <p:cNvCxnSpPr>
+            <a:endCxn id="9" idx="0"/>
+          </p:cNvCxnSpPr>
+          <p:nvPr/>
+        </p:nvCxnSpPr>
+        <p:spPr>
+          <a:xfrm>
+            <a:off x="2176780" y="3651250"/>
+            <a:ext cx="1270" cy="300990"/>
+          </a:xfrm>
+          <a:prstGeom prst="straightConnector1">
+            <a:avLst/>
+          </a:prstGeom>
+          <a:ln w="28575">
+            <a:solidFill>
+              <a:schemeClr val="accent2"/>
+            </a:solidFill>
+            <a:tailEnd type="arrow"/>
+          </a:ln>
+        </p:spPr>
+        <p:style>
+          <a:lnRef idx="2">
+            <a:schemeClr val="accent1"/>
+          </a:lnRef>
+          <a:fillRef idx="0">
+            <a:srgbClr val="FFFFFF"/>
+          </a:fillRef>
+          <a:effectRef idx="0">
+            <a:srgbClr val="FFFFFF"/>
+          </a:effectRef>
+          <a:fontRef idx="minor">
+            <a:schemeClr val="tx1"/>
+          </a:fontRef>
+        </p:style>
+      </p:cxnSp>
+      <p:cxnSp>
+        <p:nvCxnSpPr>
+          <p:cNvPr id="14" name="直接箭头连接符 13"/>
+          <p:cNvCxnSpPr>
+            <a:stCxn id="9" idx="2"/>
+            <a:endCxn id="8" idx="0"/>
+          </p:cNvCxnSpPr>
+          <p:nvPr/>
+        </p:nvCxnSpPr>
+        <p:spPr>
+          <a:xfrm>
+            <a:off x="2178050" y="4830445"/>
+            <a:ext cx="0" cy="300355"/>
+          </a:xfrm>
+          <a:prstGeom prst="straightConnector1">
+            <a:avLst/>
+          </a:prstGeom>
+          <a:ln w="28575">
+            <a:solidFill>
+              <a:schemeClr val="accent2"/>
+            </a:solidFill>
+            <a:tailEnd type="arrow"/>
+          </a:ln>
+        </p:spPr>
+        <p:style>
+          <a:lnRef idx="2">
+            <a:schemeClr val="accent1"/>
+          </a:lnRef>
+          <a:fillRef idx="0">
+            <a:srgbClr val="FFFFFF"/>
+          </a:fillRef>
+          <a:effectRef idx="0">
+            <a:srgbClr val="FFFFFF"/>
+          </a:effectRef>
+          <a:fontRef idx="minor">
+            <a:schemeClr val="tx1"/>
+          </a:fontRef>
+        </p:style>
+      </p:cxnSp>
+      <p:sp>
+        <p:nvSpPr>
+          <p:cNvPr id="15" name="圆角矩形 14"/>
+          <p:cNvSpPr/>
+          <p:nvPr/>
+        </p:nvSpPr>
+        <p:spPr>
+          <a:xfrm>
+            <a:off x="7163435" y="635635"/>
+            <a:ext cx="1727200" cy="878205"/>
+          </a:xfrm>
+          <a:prstGeom prst="roundRect">
+            <a:avLst/>
+          </a:prstGeom>
+          <a:solidFill>
+            <a:schemeClr val="accent3">
+              <a:lumMod val="20000"/>
+              <a:lumOff val="80000"/>
+            </a:schemeClr>
+          </a:solidFill>
+        </p:spPr>
+        <p:style>
+          <a:lnRef idx="2">
+            <a:schemeClr val="accent1">
+              <a:lumMod val="75000"/>
+            </a:schemeClr>
+          </a:lnRef>
+          <a:fillRef idx="1">
+            <a:schemeClr val="accent1"/>
+          </a:fillRef>
+          <a:effectRef idx="0">
+            <a:srgbClr val="FFFFFF"/>
+          </a:effectRef>
+          <a:fontRef idx="minor">
+            <a:schemeClr val="lt1"/>
+          </a:fontRef>
+        </p:style>
+        <p:txBody>
+          <a:bodyPr rtlCol="0" anchor="ctr"/>
+          <a:p>
+            <a:pPr algn="ctr"/>
+            <a:r>
+              <a:rPr lang="zh-CN" altLang="en-US" sz="2000">
+                <a:solidFill>
+                  <a:schemeClr val="tx2"/>
+                </a:solidFill>
+                <a:latin typeface="得意黑" charset="-122"/>
+                <a:ea typeface="得意黑" charset="-122"/>
+              </a:rPr>
+              <a:t>确认加密、哈希</a:t>
+            </a:r>
+            <a:r>
+              <a:rPr lang="zh-CN" altLang="en-US" sz="2000">
+                <a:solidFill>
+                  <a:schemeClr val="tx2"/>
+                </a:solidFill>
+                <a:latin typeface="得意黑" charset="-122"/>
+                <a:ea typeface="得意黑" charset="-122"/>
+              </a:rPr>
+              <a:t>算法</a:t>
+            </a:r>
+            <a:endParaRPr lang="zh-CN" altLang="en-US" sz="2000">
+              <a:solidFill>
+                <a:schemeClr val="tx2"/>
+              </a:solidFill>
+              <a:latin typeface="得意黑" charset="-122"/>
+              <a:ea typeface="得意黑" charset="-122"/>
+            </a:endParaRPr>
+          </a:p>
+        </p:txBody>
+      </p:sp>
+      <p:sp>
+        <p:nvSpPr>
+          <p:cNvPr id="16" name="圆角矩形 15"/>
+          <p:cNvSpPr/>
+          <p:nvPr/>
+        </p:nvSpPr>
+        <p:spPr>
+          <a:xfrm>
+            <a:off x="7163435" y="3253105"/>
+            <a:ext cx="1727200" cy="508635"/>
+          </a:xfrm>
+          <a:prstGeom prst="roundRect">
+            <a:avLst/>
+          </a:prstGeom>
+          <a:solidFill>
+            <a:schemeClr val="accent3">
+              <a:lumMod val="20000"/>
+              <a:lumOff val="80000"/>
+            </a:schemeClr>
+          </a:solidFill>
+        </p:spPr>
+        <p:style>
+          <a:lnRef idx="2">
+            <a:schemeClr val="accent1">
+              <a:lumMod val="75000"/>
+            </a:schemeClr>
+          </a:lnRef>
+          <a:fillRef idx="1">
+            <a:schemeClr val="accent1"/>
+          </a:fillRef>
+          <a:effectRef idx="0">
+            <a:srgbClr val="FFFFFF"/>
+          </a:effectRef>
+          <a:fontRef idx="minor">
+            <a:schemeClr val="lt1"/>
+          </a:fontRef>
+        </p:style>
+        <p:txBody>
+          <a:bodyPr rtlCol="0" anchor="ctr"/>
+          <a:p>
+            <a:pPr algn="ctr"/>
+            <a:r>
+              <a:rPr lang="zh-CN" altLang="en-US" sz="2000">
+                <a:solidFill>
+                  <a:schemeClr val="tx2"/>
+                </a:solidFill>
+                <a:latin typeface="得意黑" charset="-122"/>
+                <a:ea typeface="得意黑" charset="-122"/>
+              </a:rPr>
+              <a:t>用私钥</a:t>
+            </a:r>
+            <a:r>
+              <a:rPr lang="zh-CN" altLang="en-US" sz="2000">
+                <a:solidFill>
+                  <a:schemeClr val="tx2"/>
+                </a:solidFill>
+                <a:latin typeface="得意黑" charset="-122"/>
+                <a:ea typeface="得意黑" charset="-122"/>
+              </a:rPr>
+              <a:t>解密</a:t>
+            </a:r>
+            <a:endParaRPr lang="zh-CN" altLang="en-US" sz="2000">
+              <a:solidFill>
+                <a:schemeClr val="tx2"/>
+              </a:solidFill>
+              <a:latin typeface="得意黑" charset="-122"/>
+              <a:ea typeface="得意黑" charset="-122"/>
+            </a:endParaRPr>
+          </a:p>
+        </p:txBody>
+      </p:sp>
+      <p:sp>
+        <p:nvSpPr>
+          <p:cNvPr id="17" name="圆角矩形 16"/>
+          <p:cNvSpPr/>
+          <p:nvPr/>
+        </p:nvSpPr>
+        <p:spPr>
+          <a:xfrm>
+            <a:off x="7163435" y="4093845"/>
+            <a:ext cx="1727200" cy="508635"/>
+          </a:xfrm>
+          <a:prstGeom prst="roundRect">
+            <a:avLst/>
+          </a:prstGeom>
+          <a:solidFill>
+            <a:schemeClr val="accent3">
+              <a:lumMod val="20000"/>
+              <a:lumOff val="80000"/>
+            </a:schemeClr>
+          </a:solidFill>
+        </p:spPr>
+        <p:style>
+          <a:lnRef idx="2">
+            <a:schemeClr val="accent1">
+              <a:lumMod val="75000"/>
+            </a:schemeClr>
+          </a:lnRef>
+          <a:fillRef idx="1">
+            <a:schemeClr val="accent1"/>
+          </a:fillRef>
+          <a:effectRef idx="0">
+            <a:srgbClr val="FFFFFF"/>
+          </a:effectRef>
+          <a:fontRef idx="minor">
+            <a:schemeClr val="lt1"/>
+          </a:fontRef>
+        </p:style>
+        <p:txBody>
+          <a:bodyPr rtlCol="0" anchor="ctr"/>
+          <a:p>
+            <a:pPr algn="ctr"/>
+            <a:r>
+              <a:rPr lang="zh-CN" altLang="en-US" sz="2000">
+                <a:solidFill>
+                  <a:schemeClr val="tx2"/>
+                </a:solidFill>
+                <a:latin typeface="得意黑" charset="-122"/>
+                <a:ea typeface="得意黑" charset="-122"/>
+              </a:rPr>
+              <a:t>获取密钥</a:t>
+            </a:r>
+            <a:r>
+              <a:rPr lang="en-US" altLang="zh-CN" sz="2000">
+                <a:solidFill>
+                  <a:schemeClr val="tx2"/>
+                </a:solidFill>
+                <a:latin typeface="得意黑" charset="-122"/>
+                <a:ea typeface="得意黑" charset="-122"/>
+              </a:rPr>
+              <a:t>R</a:t>
+            </a:r>
+            <a:endParaRPr lang="en-US" altLang="zh-CN" sz="2000">
+              <a:solidFill>
+                <a:schemeClr val="tx2"/>
+              </a:solidFill>
+              <a:latin typeface="得意黑" charset="-122"/>
+              <a:ea typeface="得意黑" charset="-122"/>
+            </a:endParaRPr>
+          </a:p>
+        </p:txBody>
+      </p:sp>
+      <p:sp>
+        <p:nvSpPr>
+          <p:cNvPr id="18" name="圆角矩形 17"/>
+          <p:cNvSpPr/>
+          <p:nvPr/>
+        </p:nvSpPr>
+        <p:spPr>
+          <a:xfrm>
+            <a:off x="7163435" y="4977765"/>
+            <a:ext cx="1727200" cy="817880"/>
+          </a:xfrm>
+          <a:prstGeom prst="roundRect">
+            <a:avLst/>
+          </a:prstGeom>
+          <a:solidFill>
+            <a:schemeClr val="accent3">
+              <a:lumMod val="20000"/>
+              <a:lumOff val="80000"/>
+            </a:schemeClr>
+          </a:solidFill>
+        </p:spPr>
+        <p:style>
+          <a:lnRef idx="2">
+            <a:schemeClr val="accent1">
+              <a:lumMod val="75000"/>
+            </a:schemeClr>
+          </a:lnRef>
+          <a:fillRef idx="1">
+            <a:schemeClr val="accent1"/>
+          </a:fillRef>
+          <a:effectRef idx="0">
+            <a:srgbClr val="FFFFFF"/>
+          </a:effectRef>
+          <a:fontRef idx="minor">
+            <a:schemeClr val="lt1"/>
+          </a:fontRef>
+        </p:style>
+        <p:txBody>
+          <a:bodyPr rtlCol="0" anchor="ctr"/>
+          <a:p>
+            <a:pPr algn="ctr"/>
+            <a:r>
+              <a:rPr lang="zh-CN" altLang="en-US" sz="2000">
+                <a:solidFill>
+                  <a:schemeClr val="tx2"/>
+                </a:solidFill>
+                <a:latin typeface="得意黑" charset="-122"/>
+                <a:ea typeface="得意黑" charset="-122"/>
+              </a:rPr>
+              <a:t>使用</a:t>
+            </a:r>
+            <a:r>
+              <a:rPr lang="en-US" altLang="zh-CN" sz="2000">
+                <a:solidFill>
+                  <a:schemeClr val="tx2"/>
+                </a:solidFill>
+                <a:latin typeface="得意黑" charset="-122"/>
+                <a:ea typeface="得意黑" charset="-122"/>
+              </a:rPr>
+              <a:t>R</a:t>
+            </a:r>
+            <a:r>
+              <a:rPr lang="zh-CN" altLang="en-US" sz="2000">
+                <a:solidFill>
+                  <a:schemeClr val="tx2"/>
+                </a:solidFill>
+                <a:latin typeface="得意黑" charset="-122"/>
+                <a:ea typeface="得意黑" charset="-122"/>
+              </a:rPr>
+              <a:t>加密网页</a:t>
+            </a:r>
+            <a:r>
+              <a:rPr lang="zh-CN" altLang="en-US" sz="2000">
+                <a:solidFill>
+                  <a:schemeClr val="tx2"/>
+                </a:solidFill>
+                <a:latin typeface="得意黑" charset="-122"/>
+                <a:ea typeface="得意黑" charset="-122"/>
+              </a:rPr>
+              <a:t>内容</a:t>
+            </a:r>
+            <a:endParaRPr lang="zh-CN" altLang="en-US" sz="2000">
+              <a:solidFill>
+                <a:schemeClr val="tx2"/>
+              </a:solidFill>
+              <a:latin typeface="得意黑" charset="-122"/>
+              <a:ea typeface="得意黑" charset="-122"/>
+            </a:endParaRPr>
+          </a:p>
+        </p:txBody>
+      </p:sp>
+      <p:cxnSp>
+        <p:nvCxnSpPr>
+          <p:cNvPr id="19" name="直接箭头连接符 18"/>
+          <p:cNvCxnSpPr>
+            <a:endCxn id="17" idx="0"/>
+          </p:cNvCxnSpPr>
+          <p:nvPr/>
+        </p:nvCxnSpPr>
+        <p:spPr>
+          <a:xfrm>
+            <a:off x="8027035" y="3755390"/>
+            <a:ext cx="0" cy="338455"/>
+          </a:xfrm>
+          <a:prstGeom prst="straightConnector1">
+            <a:avLst/>
+          </a:prstGeom>
+          <a:ln w="28575">
+            <a:solidFill>
+              <a:schemeClr val="accent2"/>
+            </a:solidFill>
+            <a:tailEnd type="arrow"/>
+          </a:ln>
+        </p:spPr>
+        <p:style>
+          <a:lnRef idx="2">
+            <a:schemeClr val="accent1"/>
+          </a:lnRef>
+          <a:fillRef idx="0">
+            <a:srgbClr val="FFFFFF"/>
+          </a:fillRef>
+          <a:effectRef idx="0">
+            <a:srgbClr val="FFFFFF"/>
+          </a:effectRef>
+          <a:fontRef idx="minor">
+            <a:schemeClr val="tx1"/>
+          </a:fontRef>
+        </p:style>
+      </p:cxnSp>
+      <p:cxnSp>
+        <p:nvCxnSpPr>
+          <p:cNvPr id="20" name="直接箭头连接符 19"/>
+          <p:cNvCxnSpPr>
+            <a:stCxn id="17" idx="2"/>
+            <a:endCxn id="18" idx="0"/>
+          </p:cNvCxnSpPr>
+          <p:nvPr/>
+        </p:nvCxnSpPr>
+        <p:spPr>
+          <a:xfrm>
+            <a:off x="8027035" y="4602480"/>
+            <a:ext cx="0" cy="375285"/>
+          </a:xfrm>
+          <a:prstGeom prst="straightConnector1">
+            <a:avLst/>
+          </a:prstGeom>
+          <a:ln w="28575">
+            <a:solidFill>
+              <a:schemeClr val="accent2"/>
+            </a:solidFill>
+            <a:tailEnd type="arrow"/>
+          </a:ln>
+        </p:spPr>
+        <p:style>
+          <a:lnRef idx="2">
+            <a:schemeClr val="accent1"/>
+          </a:lnRef>
+          <a:fillRef idx="0">
+            <a:srgbClr val="FFFFFF"/>
+          </a:fillRef>
+          <a:effectRef idx="0">
+            <a:srgbClr val="FFFFFF"/>
+          </a:effectRef>
+          <a:fontRef idx="minor">
+            <a:schemeClr val="tx1"/>
+          </a:fontRef>
+        </p:style>
+      </p:cxnSp>
+      <p:cxnSp>
+        <p:nvCxnSpPr>
+          <p:cNvPr id="21" name="直接箭头连接符 20"/>
+          <p:cNvCxnSpPr/>
+          <p:nvPr/>
+        </p:nvCxnSpPr>
+        <p:spPr>
+          <a:xfrm flipV="1">
+            <a:off x="3239770" y="3538220"/>
+            <a:ext cx="3720465" cy="850265"/>
+          </a:xfrm>
+          <a:prstGeom prst="straightConnector1">
+            <a:avLst/>
+          </a:prstGeom>
+          <a:ln w="28575">
+            <a:solidFill>
+              <a:schemeClr val="accent2"/>
+            </a:solidFill>
+            <a:tailEnd type="arrow"/>
+          </a:ln>
+        </p:spPr>
+        <p:style>
+          <a:lnRef idx="2">
+            <a:schemeClr val="accent1"/>
+          </a:lnRef>
+          <a:fillRef idx="0">
+            <a:srgbClr val="FFFFFF"/>
+          </a:fillRef>
+          <a:effectRef idx="0">
+            <a:srgbClr val="FFFFFF"/>
+          </a:effectRef>
+          <a:fontRef idx="minor">
+            <a:schemeClr val="tx1"/>
+          </a:fontRef>
+        </p:style>
+      </p:cxnSp>
+      <p:cxnSp>
+        <p:nvCxnSpPr>
+          <p:cNvPr id="22" name="直接箭头连接符 21"/>
+          <p:cNvCxnSpPr/>
+          <p:nvPr/>
+        </p:nvCxnSpPr>
+        <p:spPr>
+          <a:xfrm flipH="1">
+            <a:off x="3219450" y="5448935"/>
+            <a:ext cx="3720465" cy="0"/>
+          </a:xfrm>
+          <a:prstGeom prst="straightConnector1">
+            <a:avLst/>
+          </a:prstGeom>
+          <a:ln w="28575">
+            <a:solidFill>
+              <a:schemeClr val="accent2"/>
+            </a:solidFill>
+            <a:tailEnd type="arrow"/>
+          </a:ln>
+        </p:spPr>
+        <p:style>
+          <a:lnRef idx="2">
+            <a:schemeClr val="accent1"/>
+          </a:lnRef>
+          <a:fillRef idx="0">
+            <a:srgbClr val="FFFFFF"/>
+          </a:fillRef>
+          <a:effectRef idx="0">
+            <a:srgbClr val="FFFFFF"/>
+          </a:effectRef>
+          <a:fontRef idx="minor">
+            <a:schemeClr val="tx1"/>
+          </a:fontRef>
+        </p:style>
+      </p:cxnSp>
+      <p:sp>
+        <p:nvSpPr>
+          <p:cNvPr id="23" name="文本框 22"/>
+          <p:cNvSpPr txBox="1"/>
+          <p:nvPr/>
+        </p:nvSpPr>
+        <p:spPr>
+          <a:xfrm>
+            <a:off x="3700780" y="3553460"/>
+            <a:ext cx="1939925" cy="398780"/>
+          </a:xfrm>
+          <a:prstGeom prst="rect">
+            <a:avLst/>
+          </a:prstGeom>
+          <a:noFill/>
+        </p:spPr>
+        <p:txBody>
+          <a:bodyPr wrap="square" rtlCol="0">
+            <a:spAutoFit/>
+          </a:bodyPr>
+          <a:p>
+            <a:r>
+              <a:rPr lang="zh-CN" altLang="en-US" sz="2000">
+                <a:latin typeface="得意黑" charset="-122"/>
+                <a:ea typeface="得意黑" charset="-122"/>
+                <a:cs typeface="得意黑" charset="-122"/>
+              </a:rPr>
+              <a:t>发送加密后的</a:t>
+            </a:r>
+            <a:r>
+              <a:rPr lang="en-US" altLang="zh-CN" sz="2000">
+                <a:latin typeface="得意黑" charset="-122"/>
+                <a:ea typeface="得意黑" charset="-122"/>
+                <a:cs typeface="得意黑" charset="-122"/>
+              </a:rPr>
+              <a:t>R</a:t>
+            </a:r>
+            <a:endParaRPr lang="en-US" altLang="zh-CN" sz="2000">
+              <a:latin typeface="得意黑" charset="-122"/>
+              <a:ea typeface="得意黑" charset="-122"/>
+              <a:cs typeface="得意黑" charset="-122"/>
+            </a:endParaRPr>
+          </a:p>
+        </p:txBody>
+      </p:sp>
+      <p:sp>
+        <p:nvSpPr>
+          <p:cNvPr id="24" name="文本框 23"/>
+          <p:cNvSpPr txBox="1"/>
+          <p:nvPr/>
+        </p:nvSpPr>
+        <p:spPr>
+          <a:xfrm>
+            <a:off x="3582035" y="5050155"/>
+            <a:ext cx="3038475" cy="398780"/>
+          </a:xfrm>
+          <a:prstGeom prst="rect">
+            <a:avLst/>
+          </a:prstGeom>
+          <a:noFill/>
+        </p:spPr>
+        <p:txBody>
+          <a:bodyPr wrap="square" rtlCol="0">
+            <a:spAutoFit/>
+          </a:bodyPr>
+          <a:p>
+            <a:r>
+              <a:rPr lang="zh-CN" altLang="en-US" sz="2000">
+                <a:latin typeface="得意黑" charset="-122"/>
+                <a:ea typeface="得意黑" charset="-122"/>
+                <a:cs typeface="得意黑" charset="-122"/>
+              </a:rPr>
+              <a:t>返回加密的网页响应</a:t>
+            </a:r>
+            <a:r>
+              <a:rPr lang="zh-CN" altLang="en-US" sz="2000">
+                <a:latin typeface="得意黑" charset="-122"/>
+                <a:ea typeface="得意黑" charset="-122"/>
+                <a:cs typeface="得意黑" charset="-122"/>
+              </a:rPr>
+              <a:t>内容</a:t>
+            </a:r>
+            <a:endParaRPr lang="zh-CN" altLang="en-US" sz="2000">
+              <a:latin typeface="得意黑" charset="-122"/>
+              <a:ea typeface="得意黑" charset="-122"/>
+              <a:cs typeface="得意黑" charset="-122"/>
+            </a:endParaRPr>
+          </a:p>
+        </p:txBody>
+      </p:sp>
+      <p:sp>
+        <p:nvSpPr>
+          <p:cNvPr id="25" name="文本框 24"/>
+          <p:cNvSpPr txBox="1"/>
+          <p:nvPr/>
+        </p:nvSpPr>
+        <p:spPr>
+          <a:xfrm>
+            <a:off x="2326005" y="2374265"/>
+            <a:ext cx="553085" cy="398780"/>
+          </a:xfrm>
+          <a:prstGeom prst="rect">
+            <a:avLst/>
+          </a:prstGeom>
+          <a:noFill/>
+        </p:spPr>
+        <p:txBody>
+          <a:bodyPr wrap="square" rtlCol="0">
+            <a:spAutoFit/>
+          </a:bodyPr>
+          <a:p>
+            <a:r>
+              <a:rPr lang="en-US" altLang="zh-CN" sz="2000">
+                <a:latin typeface="得意黑" charset="-122"/>
+                <a:ea typeface="得意黑" charset="-122"/>
+                <a:cs typeface="得意黑" charset="-122"/>
+              </a:rPr>
+              <a:t>yes</a:t>
+            </a:r>
+            <a:endParaRPr lang="en-US" altLang="zh-CN" sz="2000">
+              <a:latin typeface="得意黑" charset="-122"/>
+              <a:ea typeface="得意黑" charset="-122"/>
+              <a:cs typeface="得意黑" charset="-122"/>
+            </a:endParaRPr>
+          </a:p>
+        </p:txBody>
+      </p:sp>
+      <p:sp>
+        <p:nvSpPr>
+          <p:cNvPr id="26" name="文本框 25"/>
+          <p:cNvSpPr txBox="1"/>
+          <p:nvPr/>
+        </p:nvSpPr>
+        <p:spPr>
+          <a:xfrm>
+            <a:off x="3394710" y="2114550"/>
+            <a:ext cx="419735" cy="398780"/>
+          </a:xfrm>
+          <a:prstGeom prst="rect">
+            <a:avLst/>
+          </a:prstGeom>
+          <a:noFill/>
+        </p:spPr>
+        <p:txBody>
+          <a:bodyPr wrap="square" rtlCol="0">
+            <a:spAutoFit/>
+          </a:bodyPr>
+          <a:p>
+            <a:r>
+              <a:rPr lang="en-US" altLang="zh-CN" sz="2000">
+                <a:latin typeface="得意黑" charset="-122"/>
+                <a:ea typeface="得意黑" charset="-122"/>
+                <a:cs typeface="得意黑" charset="-122"/>
+              </a:rPr>
+              <a:t>no</a:t>
+            </a:r>
+            <a:endParaRPr lang="en-US" altLang="zh-CN" sz="2000">
+              <a:latin typeface="得意黑" charset="-122"/>
+              <a:ea typeface="得意黑" charset="-122"/>
+              <a:cs typeface="得意黑" charset="-122"/>
+            </a:endParaRPr>
+          </a:p>
+        </p:txBody>
+      </p:sp>
+      <p:cxnSp>
+        <p:nvCxnSpPr>
+          <p:cNvPr id="27" name="直接箭头连接符 26"/>
+          <p:cNvCxnSpPr/>
+          <p:nvPr/>
+        </p:nvCxnSpPr>
+        <p:spPr>
+          <a:xfrm>
+            <a:off x="3246755" y="2114550"/>
+            <a:ext cx="883285" cy="0"/>
+          </a:xfrm>
+          <a:prstGeom prst="straightConnector1">
+            <a:avLst/>
+          </a:prstGeom>
+          <a:ln w="28575">
+            <a:solidFill>
+              <a:schemeClr val="accent2"/>
+            </a:solidFill>
+            <a:tailEnd type="arrow"/>
+          </a:ln>
+        </p:spPr>
+        <p:style>
+          <a:lnRef idx="2">
+            <a:schemeClr val="accent1"/>
+          </a:lnRef>
+          <a:fillRef idx="0">
+            <a:srgbClr val="FFFFFF"/>
+          </a:fillRef>
+          <a:effectRef idx="0">
+            <a:srgbClr val="FFFFFF"/>
+          </a:effectRef>
+          <a:fontRef idx="minor">
+            <a:schemeClr val="tx1"/>
+          </a:fontRef>
+        </p:style>
+      </p:cxnSp>
+      <p:sp>
+        <p:nvSpPr>
+          <p:cNvPr id="28" name="爆炸形 1 27"/>
+          <p:cNvSpPr/>
+          <p:nvPr/>
+        </p:nvSpPr>
+        <p:spPr>
+          <a:xfrm>
+            <a:off x="4168140" y="1737995"/>
+            <a:ext cx="1540510" cy="850265"/>
+          </a:xfrm>
+          <a:prstGeom prst="irregularSeal1">
+            <a:avLst/>
+          </a:prstGeom>
+          <a:solidFill>
+            <a:schemeClr val="accent6">
+              <a:lumMod val="60000"/>
+              <a:lumOff val="40000"/>
+            </a:schemeClr>
+          </a:solidFill>
+        </p:spPr>
+        <p:style>
+          <a:lnRef idx="2">
+            <a:schemeClr val="accent1">
+              <a:lumMod val="75000"/>
+            </a:schemeClr>
+          </a:lnRef>
+          <a:fillRef idx="1">
+            <a:schemeClr val="accent1"/>
+          </a:fillRef>
+          <a:effectRef idx="0">
+            <a:srgbClr val="FFFFFF"/>
+          </a:effectRef>
+          <a:fontRef idx="minor">
+            <a:schemeClr val="lt1"/>
+          </a:fontRef>
+        </p:style>
+        <p:txBody>
+          <a:bodyPr rtlCol="0" anchor="ctr"/>
+          <a:p>
+            <a:pPr algn="ctr"/>
+            <a:r>
+              <a:rPr lang="zh-CN" altLang="en-US">
+                <a:solidFill>
+                  <a:schemeClr val="tx2"/>
+                </a:solidFill>
+                <a:latin typeface="得意黑" charset="-122"/>
+                <a:ea typeface="得意黑" charset="-122"/>
+              </a:rPr>
+              <a:t>提示</a:t>
+            </a:r>
+            <a:endParaRPr lang="zh-CN" altLang="en-US">
+              <a:solidFill>
+                <a:schemeClr val="tx2"/>
+              </a:solidFill>
+              <a:latin typeface="得意黑" charset="-122"/>
+              <a:ea typeface="得意黑" charset="-122"/>
+            </a:endParaRPr>
+          </a:p>
+        </p:txBody>
+      </p:sp>
+      <p:cxnSp>
+        <p:nvCxnSpPr>
+          <p:cNvPr id="29" name="直接箭头连接符 28"/>
+          <p:cNvCxnSpPr/>
+          <p:nvPr/>
+        </p:nvCxnSpPr>
+        <p:spPr>
+          <a:xfrm>
+            <a:off x="3237865" y="861060"/>
+            <a:ext cx="3752215" cy="0"/>
+          </a:xfrm>
+          <a:prstGeom prst="straightConnector1">
+            <a:avLst/>
+          </a:prstGeom>
+          <a:ln w="28575">
+            <a:solidFill>
+              <a:schemeClr val="accent2"/>
+            </a:solidFill>
+            <a:tailEnd type="arrow"/>
+          </a:ln>
+        </p:spPr>
+        <p:style>
+          <a:lnRef idx="2">
+            <a:schemeClr val="accent1"/>
+          </a:lnRef>
+          <a:fillRef idx="0">
+            <a:srgbClr val="FFFFFF"/>
+          </a:fillRef>
+          <a:effectRef idx="0">
+            <a:srgbClr val="FFFFFF"/>
+          </a:effectRef>
+          <a:fontRef idx="minor">
+            <a:schemeClr val="tx1"/>
+          </a:fontRef>
+        </p:style>
+      </p:cxnSp>
+      <p:cxnSp>
+        <p:nvCxnSpPr>
+          <p:cNvPr id="30" name="直接箭头连接符 29"/>
+          <p:cNvCxnSpPr/>
+          <p:nvPr/>
+        </p:nvCxnSpPr>
+        <p:spPr>
+          <a:xfrm flipH="1">
+            <a:off x="3239770" y="1188085"/>
+            <a:ext cx="3710305" cy="0"/>
+          </a:xfrm>
+          <a:prstGeom prst="straightConnector1">
+            <a:avLst/>
+          </a:prstGeom>
+          <a:ln w="28575">
+            <a:solidFill>
+              <a:schemeClr val="accent2"/>
+            </a:solidFill>
+            <a:tailEnd type="arrow"/>
+          </a:ln>
+        </p:spPr>
+        <p:style>
+          <a:lnRef idx="2">
+            <a:schemeClr val="accent1"/>
+          </a:lnRef>
+          <a:fillRef idx="0">
+            <a:srgbClr val="FFFFFF"/>
+          </a:fillRef>
+          <a:effectRef idx="0">
+            <a:srgbClr val="FFFFFF"/>
+          </a:effectRef>
+          <a:fontRef idx="minor">
+            <a:schemeClr val="tx1"/>
+          </a:fontRef>
+        </p:style>
+      </p:cxnSp>
+      <p:sp>
+        <p:nvSpPr>
+          <p:cNvPr id="31" name="文本框 30"/>
+          <p:cNvSpPr txBox="1"/>
+          <p:nvPr/>
+        </p:nvSpPr>
+        <p:spPr>
+          <a:xfrm>
+            <a:off x="3420110" y="408940"/>
+            <a:ext cx="3362960" cy="398780"/>
+          </a:xfrm>
+          <a:prstGeom prst="rect">
+            <a:avLst/>
+          </a:prstGeom>
+          <a:noFill/>
+        </p:spPr>
+        <p:txBody>
+          <a:bodyPr wrap="square" rtlCol="0">
+            <a:spAutoFit/>
+          </a:bodyPr>
+          <a:p>
+            <a:pPr algn="ctr"/>
+            <a:r>
+              <a:rPr lang="zh-CN" altLang="en-US" sz="2000">
+                <a:latin typeface="得意黑" charset="-122"/>
+                <a:ea typeface="得意黑" charset="-122"/>
+                <a:cs typeface="得意黑" charset="-122"/>
+              </a:rPr>
+              <a:t>请求</a:t>
+            </a:r>
+            <a:r>
+              <a:rPr lang="en-US" altLang="zh-CN" sz="2000">
+                <a:latin typeface="得意黑" charset="-122"/>
+                <a:ea typeface="得意黑" charset="-122"/>
+                <a:cs typeface="得意黑" charset="-122"/>
+              </a:rPr>
+              <a:t>https://www.xx.com</a:t>
+            </a:r>
+            <a:endParaRPr lang="en-US" altLang="zh-CN" sz="2000">
+              <a:latin typeface="得意黑" charset="-122"/>
+              <a:ea typeface="得意黑" charset="-122"/>
+              <a:cs typeface="得意黑" charset="-122"/>
+            </a:endParaRPr>
+          </a:p>
+        </p:txBody>
+      </p:sp>
+      <p:sp>
+        <p:nvSpPr>
+          <p:cNvPr id="32" name="文本框 31"/>
+          <p:cNvSpPr txBox="1"/>
+          <p:nvPr/>
+        </p:nvSpPr>
+        <p:spPr>
+          <a:xfrm>
+            <a:off x="3661410" y="1188085"/>
+            <a:ext cx="2880360" cy="398780"/>
+          </a:xfrm>
+          <a:prstGeom prst="rect">
+            <a:avLst/>
+          </a:prstGeom>
+          <a:noFill/>
+        </p:spPr>
+        <p:txBody>
+          <a:bodyPr wrap="square" rtlCol="0">
+            <a:spAutoFit/>
+          </a:bodyPr>
+          <a:p>
+            <a:pPr algn="ctr"/>
+            <a:r>
+              <a:rPr lang="zh-CN" altLang="en-US" sz="2000">
+                <a:latin typeface="得意黑" charset="-122"/>
+                <a:ea typeface="得意黑" charset="-122"/>
+                <a:cs typeface="得意黑" charset="-122"/>
+              </a:rPr>
+              <a:t>返回数字</a:t>
+            </a:r>
+            <a:r>
+              <a:rPr lang="zh-CN" altLang="en-US" sz="2000">
+                <a:latin typeface="得意黑" charset="-122"/>
+                <a:ea typeface="得意黑" charset="-122"/>
+                <a:cs typeface="得意黑" charset="-122"/>
+              </a:rPr>
+              <a:t>证书</a:t>
+            </a:r>
+            <a:endParaRPr lang="zh-CN" altLang="en-US" sz="2000">
+              <a:latin typeface="得意黑" charset="-122"/>
+              <a:ea typeface="得意黑" charset="-122"/>
+              <a:cs typeface="得意黑" charset="-122"/>
+            </a:endParaRPr>
+          </a:p>
+        </p:txBody>
+      </p:sp>
     </p:spTree>
   </p:cSld>
   <p:clrMapOvr>
